--- a/Cars/Car Finder.pptx
+++ b/Cars/Car Finder.pptx
@@ -112,6 +112,11 @@
       </a:defRPr>
     </a:lvl9pPr>
   </p:defaultTextStyle>
+  <p:extLst>
+    <p:ext uri="{EFAFB233-063F-42B5-8137-9DF3F51BA10A}">
+      <p15:sldGuideLst xmlns:p15="http://schemas.microsoft.com/office/powerpoint/2012/main"/>
+    </p:ext>
+  </p:extLst>
 </p:presentation>
 </file>
 
@@ -4933,8 +4938,12 @@
               <a:buChar char="•"/>
             </a:pPr>
             <a:r>
+              <a:rPr lang="en-US" sz="2400" smtClean="0"/>
+              <a:t>Tested </a:t>
+            </a:r>
+            <a:r>
               <a:rPr lang="en-US" sz="2400" dirty="0" smtClean="0"/>
-              <a:t>Only tested in Chrome</a:t>
+              <a:t>in Chrome</a:t>
             </a:r>
             <a:endParaRPr lang="en-US" sz="2400" dirty="0"/>
           </a:p>
@@ -5120,7 +5129,6 @@
               <a:rPr lang="en-US" dirty="0"/>
               <a:t>Challenges </a:t>
             </a:r>
-            <a:endParaRPr lang="en-US" dirty="0"/>
           </a:p>
         </p:txBody>
       </p:sp>

--- a/Cars/Car Finder.pptx
+++ b/Cars/Car Finder.pptx
@@ -4938,7 +4938,7 @@
               <a:buChar char="•"/>
             </a:pPr>
             <a:r>
-              <a:rPr lang="en-US" sz="2400" smtClean="0"/>
+              <a:rPr lang="en-US" sz="2400" dirty="0" smtClean="0"/>
               <a:t>Tested </a:t>
             </a:r>
             <a:r>
@@ -5307,6 +5307,27 @@
             </a:r>
           </a:p>
           <a:p>
+            <a:pPr lvl="1">
+              <a:buFont typeface="Arial" panose="020B0604020202020204" pitchFamily="34" charset="0"/>
+              <a:buChar char="•"/>
+            </a:pPr>
+            <a:r>
+              <a:rPr lang="en-US" sz="2200" dirty="0" smtClean="0"/>
+              <a:t>Division of labor</a:t>
+            </a:r>
+          </a:p>
+          <a:p>
+            <a:pPr lvl="1">
+              <a:buFont typeface="Arial" panose="020B0604020202020204" pitchFamily="34" charset="0"/>
+              <a:buChar char="•"/>
+            </a:pPr>
+            <a:r>
+              <a:rPr lang="en-US" sz="2200" smtClean="0"/>
+              <a:t>Version control</a:t>
+            </a:r>
+            <a:endParaRPr lang="en-US" sz="2200" dirty="0" smtClean="0"/>
+          </a:p>
+          <a:p>
             <a:pPr>
               <a:buFont typeface="Arial" panose="020B0604020202020204" pitchFamily="34" charset="0"/>
               <a:buChar char="•"/>
@@ -5315,6 +5336,17 @@
               <a:rPr lang="en-US" sz="2400" dirty="0" smtClean="0"/>
               <a:t>Planning</a:t>
             </a:r>
+          </a:p>
+          <a:p>
+            <a:pPr lvl="1">
+              <a:buFont typeface="Arial" panose="020B0604020202020204" pitchFamily="34" charset="0"/>
+              <a:buChar char="•"/>
+            </a:pPr>
+            <a:r>
+              <a:rPr lang="en-US" sz="2200" dirty="0" smtClean="0"/>
+              <a:t>Time management</a:t>
+            </a:r>
+            <a:endParaRPr lang="en-US" sz="2200" dirty="0" smtClean="0"/>
           </a:p>
           <a:p>
             <a:pPr>
@@ -5460,8 +5492,13 @@
             </a:pPr>
             <a:r>
               <a:rPr lang="en-US" sz="2400" dirty="0" smtClean="0"/>
-              <a:t>Side by side compare</a:t>
-            </a:r>
+              <a:t>Side by side </a:t>
+            </a:r>
+            <a:r>
+              <a:rPr lang="en-US" sz="2400" dirty="0" smtClean="0"/>
+              <a:t>compare</a:t>
+            </a:r>
+            <a:endParaRPr lang="en-US" sz="2400" dirty="0" smtClean="0"/>
           </a:p>
           <a:p>
             <a:pPr>
